--- a/20190522/_bepug/meetupMay19-outro.pptx
+++ b/20190522/_bepug/meetupMay19-outro.pptx
@@ -12,10 +12,8 @@
     <p:sldId id="266" r:id="rId6"/>
     <p:sldId id="260" r:id="rId7"/>
     <p:sldId id="261" r:id="rId8"/>
-    <p:sldId id="262" r:id="rId9"/>
-    <p:sldId id="269" r:id="rId10"/>
-    <p:sldId id="263" r:id="rId11"/>
-    <p:sldId id="264" r:id="rId12"/>
+    <p:sldId id="269" r:id="rId9"/>
+    <p:sldId id="264" r:id="rId10"/>
   </p:sldIdLst>
   <p:sldSz cx="12192000" cy="6858000"/>
   <p:notesSz cx="6858000" cy="9144000"/>
@@ -2481,272 +2479,6 @@
 </p:sld>
 </file>
 
-<file path=ppt/slides/slide10.xml><?xml version="1.0" encoding="utf-8"?>
-<p:sld xmlns:a="http://schemas.openxmlformats.org/drawingml/2006/main" xmlns:r="http://schemas.openxmlformats.org/officeDocument/2006/relationships" xmlns:p="http://schemas.openxmlformats.org/presentationml/2006/main">
-  <p:cSld>
-    <p:spTree>
-      <p:nvGrpSpPr>
-        <p:cNvPr id="1" name=""/>
-        <p:cNvGrpSpPr/>
-        <p:nvPr/>
-      </p:nvGrpSpPr>
-      <p:grpSpPr>
-        <a:xfrm>
-          <a:off x="0" y="0"/>
-          <a:ext cx="0" cy="0"/>
-          <a:chOff x="0" y="0"/>
-          <a:chExt cx="0" cy="0"/>
-        </a:xfrm>
-      </p:grpSpPr>
-      <p:sp>
-        <p:nvSpPr>
-          <p:cNvPr id="2" name="Title 1"/>
-          <p:cNvSpPr>
-            <a:spLocks noGrp="1"/>
-          </p:cNvSpPr>
-          <p:nvPr>
-            <p:ph type="title"/>
-          </p:nvPr>
-        </p:nvSpPr>
-        <p:spPr/>
-        <p:txBody>
-          <a:bodyPr/>
-          <a:lstStyle/>
-          <a:p>
-            <a:r>
-              <a:rPr lang="en-US" dirty="0"/>
-              <a:t>Give me 3 ways to </a:t>
-            </a:r>
-            <a:r>
-              <a:rPr lang="en-US" dirty="0" err="1"/>
-              <a:t>acces</a:t>
-            </a:r>
-            <a:r>
-              <a:rPr lang="en-US" dirty="0"/>
-              <a:t> </a:t>
-            </a:r>
-            <a:r>
-              <a:rPr lang="en-US" dirty="0" err="1"/>
-              <a:t>cloudshell</a:t>
-            </a:r>
-            <a:r>
-              <a:rPr lang="en-US" dirty="0"/>
-              <a:t>	</a:t>
-            </a:r>
-          </a:p>
-        </p:txBody>
-      </p:sp>
-      <p:sp>
-        <p:nvSpPr>
-          <p:cNvPr id="3" name="Text Placeholder 2"/>
-          <p:cNvSpPr>
-            <a:spLocks noGrp="1"/>
-          </p:cNvSpPr>
-          <p:nvPr>
-            <p:ph type="body" idx="1"/>
-          </p:nvPr>
-        </p:nvSpPr>
-        <p:spPr/>
-        <p:txBody>
-          <a:bodyPr>
-            <a:normAutofit/>
-          </a:bodyPr>
-          <a:lstStyle/>
-          <a:p>
-            <a:r>
-              <a:rPr lang="en-US" sz="3600" dirty="0"/>
-              <a:t>Azure.com, docs.Microsoft.com (try me) and </a:t>
-            </a:r>
-            <a:r>
-              <a:rPr lang="en-US" sz="3600" dirty="0" err="1"/>
-              <a:t>VSCode</a:t>
-            </a:r>
-            <a:r>
-              <a:rPr lang="en-US" sz="3600" dirty="0"/>
-              <a:t> plugins</a:t>
-            </a:r>
-          </a:p>
-        </p:txBody>
-      </p:sp>
-    </p:spTree>
-    <p:extLst>
-      <p:ext uri="{BB962C8B-B14F-4D97-AF65-F5344CB8AC3E}">
-        <p14:creationId xmlns:p14="http://schemas.microsoft.com/office/powerpoint/2010/main" val="286818"/>
-      </p:ext>
-    </p:extLst>
-  </p:cSld>
-  <p:clrMapOvr>
-    <a:masterClrMapping/>
-  </p:clrMapOvr>
-  <p:timing>
-    <p:tnLst>
-      <p:par>
-        <p:cTn id="1" dur="indefinite" restart="never" nodeType="tmRoot">
-          <p:childTnLst>
-            <p:seq concurrent="1" nextAc="seek">
-              <p:cTn id="2" dur="indefinite" nodeType="mainSeq">
-                <p:childTnLst>
-                  <p:par>
-                    <p:cTn id="3" fill="hold">
-                      <p:stCondLst>
-                        <p:cond delay="indefinite"/>
-                      </p:stCondLst>
-                      <p:childTnLst>
-                        <p:par>
-                          <p:cTn id="4" fill="hold">
-                            <p:stCondLst>
-                              <p:cond delay="0"/>
-                            </p:stCondLst>
-                            <p:childTnLst>
-                              <p:par>
-                                <p:cTn id="5" presetID="1" presetClass="entr" presetSubtype="0" fill="hold" grpId="0" nodeType="clickEffect">
-                                  <p:stCondLst>
-                                    <p:cond delay="0"/>
-                                  </p:stCondLst>
-                                  <p:childTnLst>
-                                    <p:set>
-                                      <p:cBhvr>
-                                        <p:cTn id="6" dur="1" fill="hold">
-                                          <p:stCondLst>
-                                            <p:cond delay="0"/>
-                                          </p:stCondLst>
-                                        </p:cTn>
-                                        <p:tgtEl>
-                                          <p:spTgt spid="3">
-                                            <p:txEl>
-                                              <p:pRg st="0" end="0"/>
-                                            </p:txEl>
-                                          </p:spTgt>
-                                        </p:tgtEl>
-                                        <p:attrNameLst>
-                                          <p:attrName>style.visibility</p:attrName>
-                                        </p:attrNameLst>
-                                      </p:cBhvr>
-                                      <p:to>
-                                        <p:strVal val="visible"/>
-                                      </p:to>
-                                    </p:set>
-                                  </p:childTnLst>
-                                </p:cTn>
-                              </p:par>
-                            </p:childTnLst>
-                          </p:cTn>
-                        </p:par>
-                      </p:childTnLst>
-                    </p:cTn>
-                  </p:par>
-                </p:childTnLst>
-              </p:cTn>
-              <p:prevCondLst>
-                <p:cond evt="onPrev" delay="0">
-                  <p:tgtEl>
-                    <p:sldTgt/>
-                  </p:tgtEl>
-                </p:cond>
-              </p:prevCondLst>
-              <p:nextCondLst>
-                <p:cond evt="onNext" delay="0">
-                  <p:tgtEl>
-                    <p:sldTgt/>
-                  </p:tgtEl>
-                </p:cond>
-              </p:nextCondLst>
-            </p:seq>
-          </p:childTnLst>
-        </p:cTn>
-      </p:par>
-    </p:tnLst>
-    <p:bldLst>
-      <p:bldP spid="3" grpId="0" build="p"/>
-    </p:bldLst>
-  </p:timing>
-</p:sld>
-</file>
-
-<file path=ppt/slides/slide11.xml><?xml version="1.0" encoding="utf-8"?>
-<p:sld xmlns:a="http://schemas.openxmlformats.org/drawingml/2006/main" xmlns:r="http://schemas.openxmlformats.org/officeDocument/2006/relationships" xmlns:p="http://schemas.openxmlformats.org/presentationml/2006/main">
-  <p:cSld>
-    <p:spTree>
-      <p:nvGrpSpPr>
-        <p:cNvPr id="1" name=""/>
-        <p:cNvGrpSpPr/>
-        <p:nvPr/>
-      </p:nvGrpSpPr>
-      <p:grpSpPr>
-        <a:xfrm>
-          <a:off x="0" y="0"/>
-          <a:ext cx="0" cy="0"/>
-          <a:chOff x="0" y="0"/>
-          <a:chExt cx="0" cy="0"/>
-        </a:xfrm>
-      </p:grpSpPr>
-      <p:sp>
-        <p:nvSpPr>
-          <p:cNvPr id="2" name="Title 1"/>
-          <p:cNvSpPr>
-            <a:spLocks noGrp="1"/>
-          </p:cNvSpPr>
-          <p:nvPr>
-            <p:ph type="title"/>
-          </p:nvPr>
-        </p:nvSpPr>
-        <p:spPr/>
-        <p:txBody>
-          <a:bodyPr/>
-          <a:lstStyle/>
-          <a:p>
-            <a:r>
-              <a:rPr lang="fr-BE" dirty="0" err="1"/>
-              <a:t>Thank</a:t>
-            </a:r>
-            <a:r>
-              <a:rPr lang="fr-BE" dirty="0"/>
-              <a:t> </a:t>
-            </a:r>
-            <a:r>
-              <a:rPr lang="fr-BE" dirty="0" err="1"/>
-              <a:t>you</a:t>
-            </a:r>
-            <a:r>
-              <a:rPr lang="fr-BE" dirty="0"/>
-              <a:t>!</a:t>
-            </a:r>
-            <a:endParaRPr lang="en-US" dirty="0"/>
-          </a:p>
-        </p:txBody>
-      </p:sp>
-      <p:sp>
-        <p:nvSpPr>
-          <p:cNvPr id="3" name="Text Placeholder 2"/>
-          <p:cNvSpPr>
-            <a:spLocks noGrp="1"/>
-          </p:cNvSpPr>
-          <p:nvPr>
-            <p:ph type="body" idx="1"/>
-          </p:nvPr>
-        </p:nvSpPr>
-        <p:spPr/>
-        <p:txBody>
-          <a:bodyPr/>
-          <a:lstStyle/>
-          <a:p>
-            <a:endParaRPr lang="en-US"/>
-          </a:p>
-        </p:txBody>
-      </p:sp>
-    </p:spTree>
-    <p:extLst>
-      <p:ext uri="{BB962C8B-B14F-4D97-AF65-F5344CB8AC3E}">
-        <p14:creationId xmlns:p14="http://schemas.microsoft.com/office/powerpoint/2010/main" val="2703707582"/>
-      </p:ext>
-    </p:extLst>
-  </p:cSld>
-  <p:clrMapOvr>
-    <a:masterClrMapping/>
-  </p:clrMapOvr>
-</p:sld>
-</file>
-
 <file path=ppt/slides/slide2.xml><?xml version="1.0" encoding="utf-8"?>
 <p:sld xmlns:a="http://schemas.openxmlformats.org/drawingml/2006/main" xmlns:r="http://schemas.openxmlformats.org/officeDocument/2006/relationships" xmlns:p="http://schemas.openxmlformats.org/presentationml/2006/main">
   <p:cSld>
@@ -2842,19 +2574,11 @@
             </a:r>
             <a:r>
               <a:rPr lang="fr-BE" sz="5400" dirty="0"/>
-              <a:t> in </a:t>
+              <a:t> in Sep/</a:t>
             </a:r>
             <a:r>
               <a:rPr lang="fr-BE" sz="5400" dirty="0" err="1"/>
-              <a:t>Nov</a:t>
-            </a:r>
-            <a:r>
-              <a:rPr lang="fr-BE" sz="5400" dirty="0"/>
-              <a:t>/</a:t>
-            </a:r>
-            <a:r>
-              <a:rPr lang="fr-BE" sz="5400" dirty="0" err="1"/>
-              <a:t>Dec</a:t>
+              <a:t>Oct</a:t>
             </a:r>
             <a:endParaRPr lang="fr-BE" sz="5400" dirty="0"/>
           </a:p>
@@ -2889,7 +2613,23 @@
             </a:pPr>
             <a:r>
               <a:rPr lang="fr-BE" sz="5400" dirty="0"/>
-              <a:t>… and speakers</a:t>
+              <a:t>… and speakers (</a:t>
+            </a:r>
+            <a:r>
+              <a:rPr lang="fr-BE" sz="5400" dirty="0" err="1"/>
+              <a:t>you</a:t>
+            </a:r>
+            <a:r>
+              <a:rPr lang="fr-BE" sz="5400" dirty="0"/>
+              <a:t> </a:t>
+            </a:r>
+            <a:r>
+              <a:rPr lang="fr-BE" sz="5400" dirty="0" err="1"/>
+              <a:t>maybe</a:t>
+            </a:r>
+            <a:r>
+              <a:rPr lang="fr-BE" sz="5400" dirty="0"/>
+              <a:t>?)</a:t>
             </a:r>
             <a:endParaRPr lang="en-US" sz="5400" dirty="0"/>
           </a:p>
@@ -3470,39 +3210,12 @@
             <p:ph type="title"/>
           </p:nvPr>
         </p:nvSpPr>
-        <p:spPr/>
-        <p:txBody>
-          <a:bodyPr>
-            <a:normAutofit fontScale="90000"/>
-          </a:bodyPr>
-          <a:lstStyle/>
-          <a:p>
-            <a:r>
-              <a:rPr lang="en-US" dirty="0"/>
-              <a:t>How many functions are included in Chrissy’s massive </a:t>
-            </a:r>
-            <a:r>
-              <a:rPr lang="en-US" dirty="0" err="1"/>
-              <a:t>dbatools</a:t>
-            </a:r>
-            <a:r>
-              <a:rPr lang="en-US" dirty="0"/>
-              <a:t> module in the latest release (0.9.435)?</a:t>
-            </a:r>
-          </a:p>
-        </p:txBody>
-      </p:sp>
-      <p:sp>
-        <p:nvSpPr>
-          <p:cNvPr id="3" name="Text Placeholder 2"/>
-          <p:cNvSpPr>
-            <a:spLocks noGrp="1"/>
-          </p:cNvSpPr>
-          <p:nvPr>
-            <p:ph type="body" idx="1"/>
-          </p:nvPr>
-        </p:nvSpPr>
-        <p:spPr/>
+        <p:spPr>
+          <a:xfrm>
+            <a:off x="831850" y="1709738"/>
+            <a:ext cx="10950648" cy="2852737"/>
+          </a:xfrm>
+        </p:spPr>
         <p:txBody>
           <a:bodyPr>
             <a:normAutofit/>
@@ -3510,8 +3223,32 @@
           <a:lstStyle/>
           <a:p>
             <a:r>
+              <a:rPr lang="en-US" dirty="0"/>
+              <a:t>How many releases of PowerShell Core do we have so far?</a:t>
+            </a:r>
+          </a:p>
+        </p:txBody>
+      </p:sp>
+      <p:sp>
+        <p:nvSpPr>
+          <p:cNvPr id="3" name="Text Placeholder 2" hidden="1"/>
+          <p:cNvSpPr>
+            <a:spLocks noGrp="1"/>
+          </p:cNvSpPr>
+          <p:nvPr>
+            <p:ph type="body" idx="1"/>
+          </p:nvPr>
+        </p:nvSpPr>
+        <p:spPr/>
+        <p:txBody>
+          <a:bodyPr>
+            <a:normAutofit/>
+          </a:bodyPr>
+          <a:lstStyle/>
+          <a:p>
+            <a:r>
               <a:rPr lang="en-US" sz="6600" i="1" dirty="0"/>
-              <a:t>438</a:t>
+              <a:t>64</a:t>
             </a:r>
           </a:p>
         </p:txBody>
@@ -3614,6 +3351,14 @@
 <file path=ppt/slides/slide8.xml><?xml version="1.0" encoding="utf-8"?>
 <p:sld xmlns:a="http://schemas.openxmlformats.org/drawingml/2006/main" xmlns:r="http://schemas.openxmlformats.org/officeDocument/2006/relationships" xmlns:p="http://schemas.openxmlformats.org/presentationml/2006/main">
   <p:cSld>
+    <p:bg>
+      <p:bgPr>
+        <a:solidFill>
+          <a:schemeClr val="bg1"/>
+        </a:solidFill>
+        <a:effectLst/>
+      </p:bgPr>
+    </p:bg>
     <p:spTree>
       <p:nvGrpSpPr>
         <p:cNvPr id="1" name=""/>
@@ -3628,6 +3373,130 @@
           <a:chExt cx="0" cy="0"/>
         </a:xfrm>
       </p:grpSpPr>
+      <p:pic>
+        <p:nvPicPr>
+          <p:cNvPr id="4" name="Picture 3" descr="A screenshot of a map&#10;&#10;Description automatically generated">
+            <a:extLst>
+              <a:ext uri="{FF2B5EF4-FFF2-40B4-BE49-F238E27FC236}">
+                <a16:creationId xmlns:a16="http://schemas.microsoft.com/office/drawing/2014/main" id="{07AA0658-8E9D-4E0F-802B-58DD165497A5}"/>
+              </a:ext>
+            </a:extLst>
+          </p:cNvPr>
+          <p:cNvPicPr>
+            <a:picLocks noChangeAspect="1"/>
+          </p:cNvPicPr>
+          <p:nvPr/>
+        </p:nvPicPr>
+        <p:blipFill>
+          <a:blip r:embed="rId2"/>
+          <a:stretch>
+            <a:fillRect/>
+          </a:stretch>
+        </p:blipFill>
+        <p:spPr>
+          <a:xfrm>
+            <a:off x="378068" y="2310834"/>
+            <a:ext cx="6662730" cy="3997637"/>
+          </a:xfrm>
+          <a:prstGeom prst="rect">
+            <a:avLst/>
+          </a:prstGeom>
+        </p:spPr>
+      </p:pic>
+      <p:sp>
+        <p:nvSpPr>
+          <p:cNvPr id="16" name="Rectangle 15">
+            <a:extLst>
+              <a:ext uri="{FF2B5EF4-FFF2-40B4-BE49-F238E27FC236}">
+                <a16:creationId xmlns:a16="http://schemas.microsoft.com/office/drawing/2014/main" id="{823AC064-BC96-4F32-8AE1-B2FD38754823}"/>
+              </a:ext>
+              <a:ext uri="{C183D7F6-B498-43B3-948B-1728B52AA6E4}">
+                <adec:decorative xmlns:adec="http://schemas.microsoft.com/office/drawing/2017/decorative" val="1"/>
+              </a:ext>
+            </a:extLst>
+          </p:cNvPr>
+          <p:cNvSpPr>
+            <a:spLocks noGrp="1" noRot="1" noChangeAspect="1" noMove="1" noResize="1" noEditPoints="1" noAdjustHandles="1" noChangeArrowheads="1" noChangeShapeType="1" noTextEdit="1"/>
+          </p:cNvSpPr>
+          <p:nvPr>
+            <p:extLst>
+              <p:ext uri="{386F3935-93C4-4BCD-93E2-E3B085C9AB24}">
+                <p16:designElem xmlns:p16="http://schemas.microsoft.com/office/powerpoint/2015/main" val="1"/>
+              </p:ext>
+            </p:extLst>
+          </p:nvPr>
+        </p:nvSpPr>
+        <p:spPr bwMode="ltGray">
+          <a:xfrm>
+            <a:off x="378068" y="343486"/>
+            <a:ext cx="11438793" cy="1844256"/>
+          </a:xfrm>
+          <a:prstGeom prst="rect">
+            <a:avLst/>
+          </a:prstGeom>
+          <a:solidFill>
+            <a:srgbClr val="404040"/>
+          </a:solidFill>
+          <a:ln w="127000" cap="sq" cmpd="thinThick">
+            <a:solidFill>
+              <a:srgbClr val="404040"/>
+            </a:solidFill>
+          </a:ln>
+        </p:spPr>
+        <p:style>
+          <a:lnRef idx="2">
+            <a:schemeClr val="accent1">
+              <a:shade val="50000"/>
+            </a:schemeClr>
+          </a:lnRef>
+          <a:fillRef idx="1">
+            <a:schemeClr val="accent1"/>
+          </a:fillRef>
+          <a:effectRef idx="0">
+            <a:schemeClr val="accent1"/>
+          </a:effectRef>
+          <a:fontRef idx="minor">
+            <a:schemeClr val="lt1"/>
+          </a:fontRef>
+        </p:style>
+        <p:txBody>
+          <a:bodyPr rtlCol="0" anchor="ctr"/>
+          <a:lstStyle/>
+          <a:p>
+            <a:pPr marL="0" marR="0" lvl="0" indent="0" algn="ctr" defTabSz="914400" rtl="0" eaLnBrk="1" fontAlgn="auto" latinLnBrk="0" hangingPunct="1">
+              <a:lnSpc>
+                <a:spcPct val="100000"/>
+              </a:lnSpc>
+              <a:spcBef>
+                <a:spcPts val="0"/>
+              </a:spcBef>
+              <a:spcAft>
+                <a:spcPts val="0"/>
+              </a:spcAft>
+              <a:buClrTx/>
+              <a:buSzTx/>
+              <a:buFontTx/>
+              <a:buNone/>
+              <a:tabLst/>
+              <a:defRPr/>
+            </a:pPr>
+            <a:endParaRPr kumimoji="0" lang="en-US" sz="1800" b="0" i="0" u="none" strike="noStrike" kern="1200" cap="none" spc="0" normalizeH="0" baseline="0" noProof="0">
+              <a:ln>
+                <a:noFill/>
+              </a:ln>
+              <a:solidFill>
+                <a:prstClr val="white"/>
+              </a:solidFill>
+              <a:effectLst/>
+              <a:uLnTx/>
+              <a:uFillTx/>
+              <a:latin typeface="Calibri" panose="020F0502020204030204"/>
+              <a:ea typeface="+mn-ea"/>
+              <a:cs typeface="+mn-cs"/>
+            </a:endParaRPr>
+          </a:p>
+        </p:txBody>
+      </p:sp>
       <p:sp>
         <p:nvSpPr>
           <p:cNvPr id="2" name="Title 1"/>
@@ -3638,70 +3507,298 @@
             <p:ph type="title"/>
           </p:nvPr>
         </p:nvSpPr>
-        <p:spPr/>
-        <p:txBody>
-          <a:bodyPr/>
-          <a:lstStyle/>
-          <a:p>
-            <a:r>
-              <a:rPr lang="en-US" dirty="0"/>
-              <a:t>Why does enter-</a:t>
-            </a:r>
-            <a:r>
-              <a:rPr lang="en-US" dirty="0" err="1"/>
-              <a:t>pssession</a:t>
-            </a:r>
-            <a:r>
-              <a:rPr lang="en-US" dirty="0"/>
-              <a:t> | disconnect-</a:t>
-            </a:r>
-            <a:r>
-              <a:rPr lang="en-US" dirty="0" err="1"/>
-              <a:t>pssession</a:t>
-            </a:r>
-            <a:r>
-              <a:rPr lang="en-US" dirty="0"/>
-              <a:t> not work every time?</a:t>
-            </a:r>
-          </a:p>
-        </p:txBody>
-      </p:sp>
-      <p:sp>
-        <p:nvSpPr>
-          <p:cNvPr id="3" name="Text Placeholder 2"/>
-          <p:cNvSpPr>
-            <a:spLocks noGrp="1"/>
-          </p:cNvSpPr>
-          <p:nvPr>
-            <p:ph type="body" idx="1"/>
-          </p:nvPr>
-        </p:nvSpPr>
-        <p:spPr/>
-        <p:txBody>
-          <a:bodyPr>
+        <p:spPr>
+          <a:xfrm>
+            <a:off x="526073" y="466578"/>
+            <a:ext cx="11139854" cy="930447"/>
+          </a:xfrm>
+        </p:spPr>
+        <p:txBody>
+          <a:bodyPr vert="horz" lIns="91440" tIns="45720" rIns="91440" bIns="45720" rtlCol="0" anchor="b">
             <a:normAutofit/>
           </a:bodyPr>
           <a:lstStyle/>
           <a:p>
-            <a:r>
-              <a:rPr lang="en-US" sz="3600" dirty="0"/>
-              <a:t>Disconnect-</a:t>
-            </a:r>
-            <a:r>
-              <a:rPr lang="en-US" sz="3600" dirty="0" err="1"/>
-              <a:t>pssession</a:t>
-            </a:r>
-            <a:r>
-              <a:rPr lang="en-US" sz="3600" dirty="0"/>
-              <a:t> does only work when you used new-</a:t>
-            </a:r>
-            <a:r>
-              <a:rPr lang="en-US" sz="3600" dirty="0" err="1"/>
-              <a:t>pssession</a:t>
-            </a:r>
-            <a:r>
-              <a:rPr lang="en-US" sz="3600" dirty="0"/>
-              <a:t>.</a:t>
+            <a:pPr algn="ctr"/>
+            <a:r>
+              <a:rPr lang="en-US" sz="5400" kern="1200">
+                <a:solidFill>
+                  <a:srgbClr val="FFFFFF"/>
+                </a:solidFill>
+                <a:latin typeface="+mj-lt"/>
+                <a:ea typeface="+mj-ea"/>
+                <a:cs typeface="+mj-cs"/>
+              </a:rPr>
+              <a:t>What’s wrong with my XAML?</a:t>
+            </a:r>
+          </a:p>
+        </p:txBody>
+      </p:sp>
+      <p:cxnSp>
+        <p:nvCxnSpPr>
+          <p:cNvPr id="18" name="Straight Connector 17">
+            <a:extLst>
+              <a:ext uri="{FF2B5EF4-FFF2-40B4-BE49-F238E27FC236}">
+                <a16:creationId xmlns:a16="http://schemas.microsoft.com/office/drawing/2014/main" id="{7E7C77BC-7138-40B1-A15B-20F57A494629}"/>
+              </a:ext>
+              <a:ext uri="{C183D7F6-B498-43B3-948B-1728B52AA6E4}">
+                <adec:decorative xmlns:adec="http://schemas.microsoft.com/office/drawing/2017/decorative" val="1"/>
+              </a:ext>
+            </a:extLst>
+          </p:cNvPr>
+          <p:cNvCxnSpPr>
+            <a:cxnSpLocks noGrp="1" noRot="1" noChangeAspect="1" noMove="1" noResize="1" noEditPoints="1" noAdjustHandles="1" noChangeArrowheads="1" noChangeShapeType="1"/>
+          </p:cNvCxnSpPr>
+          <p:nvPr>
+            <p:extLst>
+              <p:ext uri="{386F3935-93C4-4BCD-93E2-E3B085C9AB24}">
+                <p16:designElem xmlns:p16="http://schemas.microsoft.com/office/powerpoint/2015/main" val="1"/>
+              </p:ext>
+            </p:extLst>
+          </p:nvPr>
+        </p:nvCxnSpPr>
+        <p:spPr>
+          <a:xfrm>
+            <a:off x="2209800" y="1448631"/>
+            <a:ext cx="7772400" cy="0"/>
+          </a:xfrm>
+          <a:prstGeom prst="line">
+            <a:avLst/>
+          </a:prstGeom>
+          <a:ln w="22225">
+            <a:solidFill>
+              <a:srgbClr val="D9D9D9"/>
+            </a:solidFill>
+          </a:ln>
+        </p:spPr>
+        <p:style>
+          <a:lnRef idx="1">
+            <a:schemeClr val="accent1"/>
+          </a:lnRef>
+          <a:fillRef idx="0">
+            <a:schemeClr val="accent1"/>
+          </a:fillRef>
+          <a:effectRef idx="0">
+            <a:schemeClr val="accent1"/>
+          </a:effectRef>
+          <a:fontRef idx="minor">
+            <a:schemeClr val="tx1"/>
+          </a:fontRef>
+        </p:style>
+      </p:cxnSp>
+      <p:sp>
+        <p:nvSpPr>
+          <p:cNvPr id="10" name="Text Placeholder 2" hidden="1">
+            <a:extLst>
+              <a:ext uri="{FF2B5EF4-FFF2-40B4-BE49-F238E27FC236}">
+                <a16:creationId xmlns:a16="http://schemas.microsoft.com/office/drawing/2014/main" id="{09CC52D3-9675-4281-A5BB-00D616756FCE}"/>
+              </a:ext>
+            </a:extLst>
+          </p:cNvPr>
+          <p:cNvSpPr txBox="1">
+            <a:spLocks/>
+          </p:cNvSpPr>
+          <p:nvPr/>
+        </p:nvSpPr>
+        <p:spPr>
+          <a:xfrm>
+            <a:off x="7484533" y="3606918"/>
+            <a:ext cx="4329399" cy="1405467"/>
+          </a:xfrm>
+          <a:prstGeom prst="rect">
+            <a:avLst/>
+          </a:prstGeom>
+        </p:spPr>
+        <p:txBody>
+          <a:bodyPr vert="horz" lIns="91440" tIns="45720" rIns="91440" bIns="45720" rtlCol="0">
+            <a:noAutofit/>
+          </a:bodyPr>
+          <a:lstStyle>
+            <a:lvl1pPr marL="0" indent="0" algn="l" defTabSz="914400" rtl="0" eaLnBrk="1" latinLnBrk="0" hangingPunct="1">
+              <a:lnSpc>
+                <a:spcPct val="90000"/>
+              </a:lnSpc>
+              <a:spcBef>
+                <a:spcPts val="1000"/>
+              </a:spcBef>
+              <a:buFont typeface="Arial" panose="020B0604020202020204" pitchFamily="34" charset="0"/>
+              <a:buNone/>
+              <a:defRPr sz="2400" kern="1200">
+                <a:solidFill>
+                  <a:schemeClr val="tx1">
+                    <a:tint val="75000"/>
+                  </a:schemeClr>
+                </a:solidFill>
+                <a:latin typeface="Segoe UI Light" panose="020B0502040204020203" pitchFamily="34" charset="0"/>
+                <a:ea typeface="+mn-ea"/>
+                <a:cs typeface="+mn-cs"/>
+              </a:defRPr>
+            </a:lvl1pPr>
+            <a:lvl2pPr marL="457200" indent="0" algn="l" defTabSz="914400" rtl="0" eaLnBrk="1" latinLnBrk="0" hangingPunct="1">
+              <a:lnSpc>
+                <a:spcPct val="90000"/>
+              </a:lnSpc>
+              <a:spcBef>
+                <a:spcPts val="500"/>
+              </a:spcBef>
+              <a:buFont typeface="Arial" panose="020B0604020202020204" pitchFamily="34" charset="0"/>
+              <a:buNone/>
+              <a:defRPr sz="2000" kern="1200">
+                <a:solidFill>
+                  <a:schemeClr val="tx1">
+                    <a:tint val="75000"/>
+                  </a:schemeClr>
+                </a:solidFill>
+                <a:latin typeface="Segoe UI Light" panose="020B0502040204020203" pitchFamily="34" charset="0"/>
+                <a:ea typeface="+mn-ea"/>
+                <a:cs typeface="+mn-cs"/>
+              </a:defRPr>
+            </a:lvl2pPr>
+            <a:lvl3pPr marL="914400" indent="0" algn="l" defTabSz="914400" rtl="0" eaLnBrk="1" latinLnBrk="0" hangingPunct="1">
+              <a:lnSpc>
+                <a:spcPct val="90000"/>
+              </a:lnSpc>
+              <a:spcBef>
+                <a:spcPts val="500"/>
+              </a:spcBef>
+              <a:buFont typeface="Arial" panose="020B0604020202020204" pitchFamily="34" charset="0"/>
+              <a:buNone/>
+              <a:defRPr sz="1800" kern="1200">
+                <a:solidFill>
+                  <a:schemeClr val="tx1">
+                    <a:tint val="75000"/>
+                  </a:schemeClr>
+                </a:solidFill>
+                <a:latin typeface="Segoe UI Light" panose="020B0502040204020203" pitchFamily="34" charset="0"/>
+                <a:ea typeface="+mn-ea"/>
+                <a:cs typeface="+mn-cs"/>
+              </a:defRPr>
+            </a:lvl3pPr>
+            <a:lvl4pPr marL="1371600" indent="0" algn="l" defTabSz="914400" rtl="0" eaLnBrk="1" latinLnBrk="0" hangingPunct="1">
+              <a:lnSpc>
+                <a:spcPct val="90000"/>
+              </a:lnSpc>
+              <a:spcBef>
+                <a:spcPts val="500"/>
+              </a:spcBef>
+              <a:buFont typeface="Arial" panose="020B0604020202020204" pitchFamily="34" charset="0"/>
+              <a:buNone/>
+              <a:defRPr sz="1600" kern="1200">
+                <a:solidFill>
+                  <a:schemeClr val="tx1">
+                    <a:tint val="75000"/>
+                  </a:schemeClr>
+                </a:solidFill>
+                <a:latin typeface="Segoe UI Light" panose="020B0502040204020203" pitchFamily="34" charset="0"/>
+                <a:ea typeface="+mn-ea"/>
+                <a:cs typeface="+mn-cs"/>
+              </a:defRPr>
+            </a:lvl4pPr>
+            <a:lvl5pPr marL="1828800" indent="0" algn="l" defTabSz="914400" rtl="0" eaLnBrk="1" latinLnBrk="0" hangingPunct="1">
+              <a:lnSpc>
+                <a:spcPct val="90000"/>
+              </a:lnSpc>
+              <a:spcBef>
+                <a:spcPts val="500"/>
+              </a:spcBef>
+              <a:buFont typeface="Arial" panose="020B0604020202020204" pitchFamily="34" charset="0"/>
+              <a:buNone/>
+              <a:defRPr sz="1600" kern="1200">
+                <a:solidFill>
+                  <a:schemeClr val="tx1">
+                    <a:tint val="75000"/>
+                  </a:schemeClr>
+                </a:solidFill>
+                <a:latin typeface="Segoe UI Light" panose="020B0502040204020203" pitchFamily="34" charset="0"/>
+                <a:ea typeface="+mn-ea"/>
+                <a:cs typeface="+mn-cs"/>
+              </a:defRPr>
+            </a:lvl5pPr>
+            <a:lvl6pPr marL="2286000" indent="0" algn="l" defTabSz="914400" rtl="0" eaLnBrk="1" latinLnBrk="0" hangingPunct="1">
+              <a:lnSpc>
+                <a:spcPct val="90000"/>
+              </a:lnSpc>
+              <a:spcBef>
+                <a:spcPts val="500"/>
+              </a:spcBef>
+              <a:buFont typeface="Arial" panose="020B0604020202020204" pitchFamily="34" charset="0"/>
+              <a:buNone/>
+              <a:defRPr sz="1600" kern="1200">
+                <a:solidFill>
+                  <a:schemeClr val="tx1">
+                    <a:tint val="75000"/>
+                  </a:schemeClr>
+                </a:solidFill>
+                <a:latin typeface="+mn-lt"/>
+                <a:ea typeface="+mn-ea"/>
+                <a:cs typeface="+mn-cs"/>
+              </a:defRPr>
+            </a:lvl6pPr>
+            <a:lvl7pPr marL="2743200" indent="0" algn="l" defTabSz="914400" rtl="0" eaLnBrk="1" latinLnBrk="0" hangingPunct="1">
+              <a:lnSpc>
+                <a:spcPct val="90000"/>
+              </a:lnSpc>
+              <a:spcBef>
+                <a:spcPts val="500"/>
+              </a:spcBef>
+              <a:buFont typeface="Arial" panose="020B0604020202020204" pitchFamily="34" charset="0"/>
+              <a:buNone/>
+              <a:defRPr sz="1600" kern="1200">
+                <a:solidFill>
+                  <a:schemeClr val="tx1">
+                    <a:tint val="75000"/>
+                  </a:schemeClr>
+                </a:solidFill>
+                <a:latin typeface="+mn-lt"/>
+                <a:ea typeface="+mn-ea"/>
+                <a:cs typeface="+mn-cs"/>
+              </a:defRPr>
+            </a:lvl7pPr>
+            <a:lvl8pPr marL="3200400" indent="0" algn="l" defTabSz="914400" rtl="0" eaLnBrk="1" latinLnBrk="0" hangingPunct="1">
+              <a:lnSpc>
+                <a:spcPct val="90000"/>
+              </a:lnSpc>
+              <a:spcBef>
+                <a:spcPts val="500"/>
+              </a:spcBef>
+              <a:buFont typeface="Arial" panose="020B0604020202020204" pitchFamily="34" charset="0"/>
+              <a:buNone/>
+              <a:defRPr sz="1600" kern="1200">
+                <a:solidFill>
+                  <a:schemeClr val="tx1">
+                    <a:tint val="75000"/>
+                  </a:schemeClr>
+                </a:solidFill>
+                <a:latin typeface="+mn-lt"/>
+                <a:ea typeface="+mn-ea"/>
+                <a:cs typeface="+mn-cs"/>
+              </a:defRPr>
+            </a:lvl8pPr>
+            <a:lvl9pPr marL="3657600" indent="0" algn="l" defTabSz="914400" rtl="0" eaLnBrk="1" latinLnBrk="0" hangingPunct="1">
+              <a:lnSpc>
+                <a:spcPct val="90000"/>
+              </a:lnSpc>
+              <a:spcBef>
+                <a:spcPts val="500"/>
+              </a:spcBef>
+              <a:buFont typeface="Arial" panose="020B0604020202020204" pitchFamily="34" charset="0"/>
+              <a:buNone/>
+              <a:defRPr sz="1600" kern="1200">
+                <a:solidFill>
+                  <a:schemeClr val="tx1">
+                    <a:tint val="75000"/>
+                  </a:schemeClr>
+                </a:solidFill>
+                <a:latin typeface="+mn-lt"/>
+                <a:ea typeface="+mn-ea"/>
+                <a:cs typeface="+mn-cs"/>
+              </a:defRPr>
+            </a:lvl9pPr>
+          </a:lstStyle>
+          <a:p>
+            <a:r>
+              <a:rPr lang="en-US" sz="2800" i="1" dirty="0"/>
+              <a:t>Make sure every element has a Name or x:Name tag for event handlers!</a:t>
             </a:r>
           </a:p>
         </p:txBody>
@@ -3709,7 +3806,7 @@
     </p:spTree>
     <p:extLst>
       <p:ext uri="{BB962C8B-B14F-4D97-AF65-F5344CB8AC3E}">
-        <p14:creationId xmlns:p14="http://schemas.microsoft.com/office/powerpoint/2010/main" val="1347250283"/>
+        <p14:creationId xmlns:p14="http://schemas.microsoft.com/office/powerpoint/2010/main" val="683047980"/>
       </p:ext>
     </p:extLst>
   </p:cSld>
@@ -3750,7 +3847,7 @@
                                           </p:stCondLst>
                                         </p:cTn>
                                         <p:tgtEl>
-                                          <p:spTgt spid="3">
+                                          <p:spTgt spid="10">
                                             <p:txEl>
                                               <p:pRg st="0" end="0"/>
                                             </p:txEl>
@@ -3790,12 +3887,71 @@
                 </p:cond>
               </p:nextCondLst>
             </p:seq>
+            <p:seq concurrent="1" nextAc="seek">
+              <p:cTn id="7" restart="whenNotActive" fill="hold" evtFilter="cancelBubble" nodeType="interactiveSeq">
+                <p:stCondLst>
+                  <p:cond evt="onClick" delay="0">
+                    <p:tgtEl>
+                      <p:spTgt spid="4"/>
+                    </p:tgtEl>
+                  </p:cond>
+                </p:stCondLst>
+                <p:endSync evt="end" delay="0">
+                  <p:rtn val="all"/>
+                </p:endSync>
+                <p:childTnLst>
+                  <p:par>
+                    <p:cTn id="8" fill="hold">
+                      <p:stCondLst>
+                        <p:cond delay="0"/>
+                      </p:stCondLst>
+                      <p:childTnLst>
+                        <p:par>
+                          <p:cTn id="9" fill="hold">
+                            <p:stCondLst>
+                              <p:cond delay="0"/>
+                            </p:stCondLst>
+                            <p:childTnLst>
+                              <p:par>
+                                <p:cTn id="10" presetID="6" presetClass="emph" presetSubtype="0" fill="hold" nodeType="clickEffect">
+                                  <p:stCondLst>
+                                    <p:cond delay="0"/>
+                                  </p:stCondLst>
+                                  <p:childTnLst>
+                                    <p:animScale>
+                                      <p:cBhvr>
+                                        <p:cTn id="11" dur="2000" fill="hold"/>
+                                        <p:tgtEl>
+                                          <p:spTgt spid="4"/>
+                                        </p:tgtEl>
+                                      </p:cBhvr>
+                                      <p:by x="150000" y="150000"/>
+                                    </p:animScale>
+                                  </p:childTnLst>
+                                </p:cTn>
+                              </p:par>
+                            </p:childTnLst>
+                          </p:cTn>
+                        </p:par>
+                      </p:childTnLst>
+                    </p:cTn>
+                  </p:par>
+                </p:childTnLst>
+              </p:cTn>
+              <p:nextCondLst>
+                <p:cond evt="onClick" delay="0">
+                  <p:tgtEl>
+                    <p:spTgt spid="4"/>
+                  </p:tgtEl>
+                </p:cond>
+              </p:nextCondLst>
+            </p:seq>
           </p:childTnLst>
         </p:cTn>
       </p:par>
     </p:tnLst>
     <p:bldLst>
-      <p:bldP spid="3" grpId="0" build="p"/>
+      <p:bldP spid="10" grpId="0" uiExpand="1" build="p"/>
     </p:bldLst>
   </p:timing>
 </p:sld>
@@ -3830,132 +3986,89 @@
         </p:nvSpPr>
         <p:spPr/>
         <p:txBody>
+          <a:bodyPr>
+            <a:normAutofit fontScale="90000"/>
+          </a:bodyPr>
+          <a:lstStyle/>
+          <a:p>
+            <a:r>
+              <a:rPr lang="fr-BE" dirty="0" err="1"/>
+              <a:t>Thank</a:t>
+            </a:r>
+            <a:r>
+              <a:rPr lang="fr-BE" dirty="0"/>
+              <a:t> </a:t>
+            </a:r>
+            <a:r>
+              <a:rPr lang="fr-BE" dirty="0" err="1"/>
+              <a:t>you</a:t>
+            </a:r>
+            <a:br>
+              <a:rPr lang="fr-BE" dirty="0"/>
+            </a:br>
+            <a:r>
+              <a:rPr lang="fr-BE" dirty="0"/>
+              <a:t>	 Thomas and </a:t>
+            </a:r>
+            <a:r>
+              <a:rPr lang="fr-BE" dirty="0" err="1"/>
+              <a:t>Cheops</a:t>
+            </a:r>
+            <a:br>
+              <a:rPr lang="fr-BE" dirty="0"/>
+            </a:br>
+            <a:r>
+              <a:rPr lang="fr-BE" dirty="0"/>
+              <a:t>		</a:t>
+            </a:r>
+            <a:r>
+              <a:rPr lang="fr-BE" dirty="0" err="1"/>
+              <a:t>Aleksandar</a:t>
+            </a:r>
+            <a:br>
+              <a:rPr lang="fr-BE" dirty="0"/>
+            </a:br>
+            <a:r>
+              <a:rPr lang="fr-BE" dirty="0"/>
+              <a:t>			and all of </a:t>
+            </a:r>
+            <a:r>
+              <a:rPr lang="fr-BE"/>
+              <a:t>you!</a:t>
+            </a:r>
+            <a:endParaRPr lang="en-US" dirty="0"/>
+          </a:p>
+        </p:txBody>
+      </p:sp>
+      <p:sp>
+        <p:nvSpPr>
+          <p:cNvPr id="3" name="Text Placeholder 2"/>
+          <p:cNvSpPr>
+            <a:spLocks noGrp="1"/>
+          </p:cNvSpPr>
+          <p:nvPr>
+            <p:ph type="body" idx="1"/>
+          </p:nvPr>
+        </p:nvSpPr>
+        <p:spPr/>
+        <p:txBody>
           <a:bodyPr/>
           <a:lstStyle/>
           <a:p>
-            <a:r>
-              <a:rPr lang="en-US" dirty="0"/>
-              <a:t>Give me the 3 cmdlets PowerShell is all about</a:t>
-            </a:r>
-          </a:p>
-        </p:txBody>
-      </p:sp>
-      <p:sp>
-        <p:nvSpPr>
-          <p:cNvPr id="3" name="Text Placeholder 2"/>
-          <p:cNvSpPr>
-            <a:spLocks noGrp="1"/>
-          </p:cNvSpPr>
-          <p:nvPr>
-            <p:ph type="body" idx="1"/>
-          </p:nvPr>
-        </p:nvSpPr>
-        <p:spPr/>
-        <p:txBody>
-          <a:bodyPr>
-            <a:normAutofit/>
-          </a:bodyPr>
-          <a:lstStyle/>
-          <a:p>
-            <a:r>
-              <a:rPr lang="en-US" sz="4000" dirty="0"/>
-              <a:t>Get-help, get-command, get-member</a:t>
-            </a:r>
+            <a:endParaRPr lang="en-US"/>
           </a:p>
         </p:txBody>
       </p:sp>
     </p:spTree>
     <p:extLst>
       <p:ext uri="{BB962C8B-B14F-4D97-AF65-F5344CB8AC3E}">
-        <p14:creationId xmlns:p14="http://schemas.microsoft.com/office/powerpoint/2010/main" val="3376996848"/>
+        <p14:creationId xmlns:p14="http://schemas.microsoft.com/office/powerpoint/2010/main" val="2703707582"/>
       </p:ext>
     </p:extLst>
   </p:cSld>
   <p:clrMapOvr>
     <a:masterClrMapping/>
   </p:clrMapOvr>
-  <p:timing>
-    <p:tnLst>
-      <p:par>
-        <p:cTn id="1" dur="indefinite" restart="never" nodeType="tmRoot">
-          <p:childTnLst>
-            <p:seq concurrent="1" nextAc="seek">
-              <p:cTn id="2" dur="indefinite" nodeType="mainSeq">
-                <p:childTnLst>
-                  <p:par>
-                    <p:cTn id="3" fill="hold">
-                      <p:stCondLst>
-                        <p:cond delay="indefinite"/>
-                      </p:stCondLst>
-                      <p:childTnLst>
-                        <p:par>
-                          <p:cTn id="4" fill="hold">
-                            <p:stCondLst>
-                              <p:cond delay="0"/>
-                            </p:stCondLst>
-                            <p:childTnLst>
-                              <p:par>
-                                <p:cTn id="5" presetID="1" presetClass="entr" presetSubtype="0" fill="hold" grpId="0" nodeType="clickEffect">
-                                  <p:stCondLst>
-                                    <p:cond delay="0"/>
-                                  </p:stCondLst>
-                                  <p:childTnLst>
-                                    <p:set>
-                                      <p:cBhvr>
-                                        <p:cTn id="6" dur="1" fill="hold">
-                                          <p:stCondLst>
-                                            <p:cond delay="0"/>
-                                          </p:stCondLst>
-                                        </p:cTn>
-                                        <p:tgtEl>
-                                          <p:spTgt spid="3">
-                                            <p:txEl>
-                                              <p:pRg st="0" end="0"/>
-                                            </p:txEl>
-                                          </p:spTgt>
-                                        </p:tgtEl>
-                                        <p:attrNameLst>
-                                          <p:attrName>style.visibility</p:attrName>
-                                        </p:attrNameLst>
-                                      </p:cBhvr>
-                                      <p:to>
-                                        <p:strVal val="visible"/>
-                                      </p:to>
-                                    </p:set>
-                                  </p:childTnLst>
-                                </p:cTn>
-                              </p:par>
-                            </p:childTnLst>
-                          </p:cTn>
-                        </p:par>
-                      </p:childTnLst>
-                    </p:cTn>
-                  </p:par>
-                </p:childTnLst>
-              </p:cTn>
-              <p:prevCondLst>
-                <p:cond evt="onPrev" delay="0">
-                  <p:tgtEl>
-                    <p:sldTgt/>
-                  </p:tgtEl>
-                </p:cond>
-              </p:prevCondLst>
-              <p:nextCondLst>
-                <p:cond evt="onNext" delay="0">
-                  <p:tgtEl>
-                    <p:sldTgt/>
-                  </p:tgtEl>
-                </p:cond>
-              </p:nextCondLst>
-            </p:seq>
-          </p:childTnLst>
-        </p:cTn>
-      </p:par>
-    </p:tnLst>
-    <p:bldLst>
-      <p:bldP spid="3" grpId="0" build="p"/>
-    </p:bldLst>
-  </p:timing>
 </p:sld>
 </file>
 
